--- a/01_GitTutorial/HowToGit - hands on.pptx
+++ b/01_GitTutorial/HowToGit - hands on.pptx
@@ -5,7 +5,7 @@
     <p:sldMasterId id="2147483648" r:id="rId1"/>
   </p:sldMasterIdLst>
   <p:notesMasterIdLst>
-    <p:notesMasterId r:id="rId57"/>
+    <p:notesMasterId r:id="rId58"/>
   </p:notesMasterIdLst>
   <p:sldIdLst>
     <p:sldId id="285" r:id="rId2"/>
@@ -61,8 +61,9 @@
     <p:sldId id="325" r:id="rId52"/>
     <p:sldId id="329" r:id="rId53"/>
     <p:sldId id="330" r:id="rId54"/>
-    <p:sldId id="341" r:id="rId55"/>
-    <p:sldId id="282" r:id="rId56"/>
+    <p:sldId id="347" r:id="rId55"/>
+    <p:sldId id="341" r:id="rId56"/>
+    <p:sldId id="282" r:id="rId57"/>
   </p:sldIdLst>
   <p:sldSz cx="12192000" cy="6858000"/>
   <p:notesSz cx="6858000" cy="9144000"/>
@@ -262,7 +263,7 @@
           <a:p>
             <a:fld id="{FB1A487A-BCAB-4FA9-93D5-0C8D3D81510A}" type="datetimeFigureOut">
               <a:rPr lang="en-GB" smtClean="0"/>
-              <a:t>27/08/2024</a:t>
+              <a:t>04/09/2024</a:t>
             </a:fld>
             <a:endParaRPr lang="en-GB"/>
           </a:p>
@@ -661,7 +662,7 @@
           <a:p>
             <a:fld id="{ECAF4212-6013-4BDE-BCCC-04B63E5B0D67}" type="datetimeFigureOut">
               <a:rPr lang="en-GB" smtClean="0"/>
-              <a:t>27/08/2024</a:t>
+              <a:t>04/09/2024</a:t>
             </a:fld>
             <a:endParaRPr lang="en-GB"/>
           </a:p>
@@ -831,7 +832,7 @@
           <a:p>
             <a:fld id="{ECAF4212-6013-4BDE-BCCC-04B63E5B0D67}" type="datetimeFigureOut">
               <a:rPr lang="en-GB" smtClean="0"/>
-              <a:t>27/08/2024</a:t>
+              <a:t>04/09/2024</a:t>
             </a:fld>
             <a:endParaRPr lang="en-GB"/>
           </a:p>
@@ -1011,7 +1012,7 @@
           <a:p>
             <a:fld id="{ECAF4212-6013-4BDE-BCCC-04B63E5B0D67}" type="datetimeFigureOut">
               <a:rPr lang="en-GB" smtClean="0"/>
-              <a:t>27/08/2024</a:t>
+              <a:t>04/09/2024</a:t>
             </a:fld>
             <a:endParaRPr lang="en-GB"/>
           </a:p>
@@ -1181,7 +1182,7 @@
           <a:p>
             <a:fld id="{ECAF4212-6013-4BDE-BCCC-04B63E5B0D67}" type="datetimeFigureOut">
               <a:rPr lang="en-GB" smtClean="0"/>
-              <a:t>27/08/2024</a:t>
+              <a:t>04/09/2024</a:t>
             </a:fld>
             <a:endParaRPr lang="en-GB"/>
           </a:p>
@@ -1427,7 +1428,7 @@
           <a:p>
             <a:fld id="{ECAF4212-6013-4BDE-BCCC-04B63E5B0D67}" type="datetimeFigureOut">
               <a:rPr lang="en-GB" smtClean="0"/>
-              <a:t>27/08/2024</a:t>
+              <a:t>04/09/2024</a:t>
             </a:fld>
             <a:endParaRPr lang="en-GB"/>
           </a:p>
@@ -1659,7 +1660,7 @@
           <a:p>
             <a:fld id="{ECAF4212-6013-4BDE-BCCC-04B63E5B0D67}" type="datetimeFigureOut">
               <a:rPr lang="en-GB" smtClean="0"/>
-              <a:t>27/08/2024</a:t>
+              <a:t>04/09/2024</a:t>
             </a:fld>
             <a:endParaRPr lang="en-GB"/>
           </a:p>
@@ -2026,7 +2027,7 @@
           <a:p>
             <a:fld id="{ECAF4212-6013-4BDE-BCCC-04B63E5B0D67}" type="datetimeFigureOut">
               <a:rPr lang="en-GB" smtClean="0"/>
-              <a:t>27/08/2024</a:t>
+              <a:t>04/09/2024</a:t>
             </a:fld>
             <a:endParaRPr lang="en-GB"/>
           </a:p>
@@ -2144,7 +2145,7 @@
           <a:p>
             <a:fld id="{ECAF4212-6013-4BDE-BCCC-04B63E5B0D67}" type="datetimeFigureOut">
               <a:rPr lang="en-GB" smtClean="0"/>
-              <a:t>27/08/2024</a:t>
+              <a:t>04/09/2024</a:t>
             </a:fld>
             <a:endParaRPr lang="en-GB"/>
           </a:p>
@@ -2239,7 +2240,7 @@
           <a:p>
             <a:fld id="{ECAF4212-6013-4BDE-BCCC-04B63E5B0D67}" type="datetimeFigureOut">
               <a:rPr lang="en-GB" smtClean="0"/>
-              <a:t>27/08/2024</a:t>
+              <a:t>04/09/2024</a:t>
             </a:fld>
             <a:endParaRPr lang="en-GB"/>
           </a:p>
@@ -2516,7 +2517,7 @@
           <a:p>
             <a:fld id="{ECAF4212-6013-4BDE-BCCC-04B63E5B0D67}" type="datetimeFigureOut">
               <a:rPr lang="en-GB" smtClean="0"/>
-              <a:t>27/08/2024</a:t>
+              <a:t>04/09/2024</a:t>
             </a:fld>
             <a:endParaRPr lang="en-GB"/>
           </a:p>
@@ -2769,7 +2770,7 @@
           <a:p>
             <a:fld id="{ECAF4212-6013-4BDE-BCCC-04B63E5B0D67}" type="datetimeFigureOut">
               <a:rPr lang="en-GB" smtClean="0"/>
-              <a:t>27/08/2024</a:t>
+              <a:t>04/09/2024</a:t>
             </a:fld>
             <a:endParaRPr lang="en-GB"/>
           </a:p>
@@ -2982,7 +2983,7 @@
           <a:p>
             <a:fld id="{ECAF4212-6013-4BDE-BCCC-04B63E5B0D67}" type="datetimeFigureOut">
               <a:rPr lang="en-GB" smtClean="0"/>
-              <a:t>27/08/2024</a:t>
+              <a:t>04/09/2024</a:t>
             </a:fld>
             <a:endParaRPr lang="en-GB"/>
           </a:p>
@@ -11313,7 +11314,7 @@
         <p:spPr/>
         <p:txBody>
           <a:bodyPr>
-            <a:normAutofit fontScale="62500" lnSpcReduction="20000"/>
+            <a:normAutofit fontScale="55000" lnSpcReduction="20000"/>
           </a:bodyPr>
           <a:lstStyle/>
           <a:p>
@@ -11431,6 +11432,76 @@
               <a:rPr lang="en-US" dirty="0"/>
               <a:t>do not be afraid of conflicts</a:t>
             </a:r>
+          </a:p>
+          <a:p>
+            <a:r>
+              <a:rPr lang="en-US" b="1" i="0" dirty="0">
+                <a:solidFill>
+                  <a:srgbClr val="333333"/>
+                </a:solidFill>
+                <a:effectLst/>
+                <a:latin typeface="revert"/>
+              </a:rPr>
+              <a:t>Can you merge repositories? Would duplicated file names (such as a readme file) cause conflict if you can merge repositories?</a:t>
+            </a:r>
+          </a:p>
+          <a:p>
+            <a:pPr lvl="1"/>
+            <a:r>
+              <a:rPr lang="en-US" dirty="0">
+                <a:solidFill>
+                  <a:srgbClr val="333333"/>
+                </a:solidFill>
+                <a:latin typeface="revert"/>
+              </a:rPr>
+              <a:t>They could merge if they had same parent at some point (e.g. fork). From that point, same files would cause conflicts.</a:t>
+            </a:r>
+          </a:p>
+          <a:p>
+            <a:pPr lvl="1"/>
+            <a:r>
+              <a:rPr lang="en-US" dirty="0">
+                <a:solidFill>
+                  <a:srgbClr val="333333"/>
+                </a:solidFill>
+                <a:latin typeface="revert"/>
+              </a:rPr>
+              <a:t>But it would be easier to just add the files to one of them and resolve manually. KISS!</a:t>
+            </a:r>
+          </a:p>
+          <a:p>
+            <a:r>
+              <a:rPr lang="en-US" b="1" i="0" dirty="0">
+                <a:solidFill>
+                  <a:srgbClr val="333333"/>
+                </a:solidFill>
+                <a:effectLst/>
+                <a:latin typeface="revert"/>
+              </a:rPr>
+              <a:t>Is it possible to unmerge branches after the merged branches have been pushed?</a:t>
+            </a:r>
+          </a:p>
+          <a:p>
+            <a:pPr lvl="1"/>
+            <a:r>
+              <a:rPr lang="en-US" dirty="0">
+                <a:solidFill>
+                  <a:srgbClr val="333333"/>
+                </a:solidFill>
+                <a:latin typeface="revert"/>
+              </a:rPr>
+              <a:t>You can revert the Merge commit – this will revert the changes, but the branches are already merged. You can still switch to the other branch and continue there or start AGAIN from the point BEFORE you merged.</a:t>
+            </a:r>
+            <a:endParaRPr lang="en-US" i="0" dirty="0">
+              <a:solidFill>
+                <a:srgbClr val="333333"/>
+              </a:solidFill>
+              <a:effectLst/>
+              <a:latin typeface="revert"/>
+            </a:endParaRPr>
+          </a:p>
+          <a:p>
+            <a:endParaRPr lang="en-US" dirty="0"/>
           </a:p>
         </p:txBody>
       </p:sp>
@@ -11504,7 +11575,7 @@
         <p:spPr/>
         <p:txBody>
           <a:bodyPr>
-            <a:normAutofit fontScale="62500" lnSpcReduction="20000"/>
+            <a:normAutofit fontScale="55000" lnSpcReduction="20000"/>
           </a:bodyPr>
           <a:lstStyle/>
           <a:p>
@@ -11625,7 +11696,64 @@
               <a:rPr lang="en-US" dirty="0"/>
               <a:t> about it. But if you are moving furniture, it comes really handy and I am pretty confident you will find a way when the need arises.</a:t>
             </a:r>
-            <a:endParaRPr lang="en-GB" dirty="0"/>
+          </a:p>
+          <a:p>
+            <a:r>
+              <a:rPr lang="en-US" b="1" i="0" dirty="0">
+                <a:solidFill>
+                  <a:srgbClr val="333333"/>
+                </a:solidFill>
+                <a:effectLst/>
+                <a:latin typeface="revert"/>
+              </a:rPr>
+              <a:t>What other tools are there in </a:t>
+            </a:r>
+            <a:r>
+              <a:rPr lang="en-US" b="1" i="0" dirty="0" err="1">
+                <a:solidFill>
+                  <a:srgbClr val="333333"/>
+                </a:solidFill>
+                <a:effectLst/>
+                <a:latin typeface="revert"/>
+              </a:rPr>
+              <a:t>Github</a:t>
+            </a:r>
+            <a:r>
+              <a:rPr lang="en-US" b="1" i="0" dirty="0">
+                <a:solidFill>
+                  <a:srgbClr val="333333"/>
+                </a:solidFill>
+                <a:effectLst/>
+                <a:latin typeface="revert"/>
+              </a:rPr>
+              <a:t>? </a:t>
+            </a:r>
+            <a:endParaRPr lang="en-GB" b="1" i="0" dirty="0">
+              <a:solidFill>
+                <a:srgbClr val="333333"/>
+              </a:solidFill>
+              <a:effectLst/>
+              <a:latin typeface="revert"/>
+            </a:endParaRPr>
+          </a:p>
+          <a:p>
+            <a:pPr lvl="1"/>
+            <a:r>
+              <a:rPr lang="en-GB" b="1" dirty="0">
+                <a:solidFill>
+                  <a:srgbClr val="333333"/>
+                </a:solidFill>
+                <a:latin typeface="revert"/>
+              </a:rPr>
+              <a:t>It is a large ecosystem – Issue tracker with project management (i.e. kanban cards) wiki, GitHub pages (statically generated through Jekyll), continuous integration – hooks on commits, e.g. compiling, running tests etc</a:t>
+            </a:r>
+            <a:endParaRPr lang="en-US" b="1" i="0" dirty="0">
+              <a:solidFill>
+                <a:srgbClr val="333333"/>
+              </a:solidFill>
+              <a:effectLst/>
+              <a:latin typeface="revert"/>
+            </a:endParaRPr>
           </a:p>
         </p:txBody>
       </p:sp>
@@ -11936,6 +12064,50 @@
               <a:rPr lang="en-US" dirty="0"/>
               <a:t>, try pulling from **"upstream"** or fetching your github.com repository to match the upstream.</a:t>
             </a:r>
+          </a:p>
+          <a:p>
+            <a:r>
+              <a:rPr lang="en-US" b="1" i="0" dirty="0">
+                <a:solidFill>
+                  <a:srgbClr val="333333"/>
+                </a:solidFill>
+                <a:effectLst/>
+                <a:latin typeface="revert"/>
+              </a:rPr>
+              <a:t>If I edit the </a:t>
+            </a:r>
+            <a:r>
+              <a:rPr lang="en-US" b="1" i="0" dirty="0" err="1">
+                <a:solidFill>
+                  <a:srgbClr val="333333"/>
+                </a:solidFill>
+                <a:effectLst/>
+                <a:latin typeface="revert"/>
+              </a:rPr>
+              <a:t>gitignore</a:t>
+            </a:r>
+            <a:r>
+              <a:rPr lang="en-US" b="1" i="0" dirty="0">
+                <a:solidFill>
+                  <a:srgbClr val="333333"/>
+                </a:solidFill>
+                <a:effectLst/>
+                <a:latin typeface="revert"/>
+              </a:rPr>
+              <a:t> file, I make some file visible and not visible. Why you said it was not reversible?</a:t>
+            </a:r>
+          </a:p>
+          <a:p>
+            <a:pPr lvl="1"/>
+            <a:r>
+              <a:rPr lang="en-US" dirty="0">
+                <a:solidFill>
+                  <a:srgbClr val="333333"/>
+                </a:solidFill>
+                <a:latin typeface="revert"/>
+              </a:rPr>
+              <a:t>Once committed, the file would always get change-tracked. You can delete it from the repo, commit and copy back – now it can be ignored and not tracked</a:t>
+            </a:r>
             <a:endParaRPr lang="en-GB" dirty="0"/>
           </a:p>
         </p:txBody>
@@ -12006,9 +12178,28 @@
         <p:spPr/>
         <p:txBody>
           <a:bodyPr>
-            <a:normAutofit fontScale="92500" lnSpcReduction="10000"/>
+            <a:normAutofit fontScale="85000" lnSpcReduction="20000"/>
           </a:bodyPr>
           <a:lstStyle/>
+          <a:p>
+            <a:r>
+              <a:rPr lang="en-US" b="1" i="0" dirty="0">
+                <a:solidFill>
+                  <a:srgbClr val="333333"/>
+                </a:solidFill>
+                <a:effectLst/>
+                <a:latin typeface="revert"/>
+              </a:rPr>
+              <a:t>How do I resolve conflicts in pull requests when working with a team?</a:t>
+            </a:r>
+          </a:p>
+          <a:p>
+            <a:pPr lvl="1"/>
+            <a:r>
+              <a:rPr lang="en-US" dirty="0"/>
+              <a:t>The maintainer needs to resolve that, usually by noticing the issuer to merge the updated version and resolve himself</a:t>
+            </a:r>
+          </a:p>
           <a:p>
             <a:r>
               <a:rPr lang="en-US" dirty="0"/>
@@ -12138,7 +12329,7 @@
         <p:spPr/>
         <p:txBody>
           <a:bodyPr>
-            <a:normAutofit fontScale="92500" lnSpcReduction="20000"/>
+            <a:normAutofit fontScale="55000" lnSpcReduction="20000"/>
           </a:bodyPr>
           <a:lstStyle/>
           <a:p>
@@ -12221,6 +12412,137 @@
             <a:r>
               <a:rPr lang="en-US" dirty="0"/>
               <a:t> client (and usually more). Tag is just a pointer on a specific commit, immutable in time. Github.com then presents all the tags and releases nice and pretty.</a:t>
+            </a:r>
+          </a:p>
+          <a:p>
+            <a:r>
+              <a:rPr lang="en-US" b="1" i="0" dirty="0">
+                <a:solidFill>
+                  <a:srgbClr val="333333"/>
+                </a:solidFill>
+                <a:effectLst/>
+                <a:latin typeface="revert"/>
+              </a:rPr>
+              <a:t>Can you share a private repository (without making it public for everyone)?</a:t>
+            </a:r>
+          </a:p>
+          <a:p>
+            <a:pPr lvl="1"/>
+            <a:r>
+              <a:rPr lang="en-US" dirty="0">
+                <a:solidFill>
+                  <a:srgbClr val="333333"/>
+                </a:solidFill>
+                <a:latin typeface="revert"/>
+              </a:rPr>
+              <a:t>Sure! GitHub provides to add a collaborators to private repositories. You can have private repositories under institutional pages (e.g. beards-lab), which are accessible for the team only.</a:t>
+            </a:r>
+          </a:p>
+          <a:p>
+            <a:r>
+              <a:rPr lang="en-US" b="1" i="0" dirty="0">
+                <a:solidFill>
+                  <a:srgbClr val="333333"/>
+                </a:solidFill>
+                <a:effectLst/>
+                <a:latin typeface="revert"/>
+              </a:rPr>
+              <a:t>Can anyone clone my </a:t>
+            </a:r>
+            <a:r>
+              <a:rPr lang="en-US" b="1" i="0" dirty="0" err="1">
+                <a:solidFill>
+                  <a:srgbClr val="333333"/>
+                </a:solidFill>
+                <a:effectLst/>
+                <a:latin typeface="revert"/>
+              </a:rPr>
+              <a:t>respository</a:t>
+            </a:r>
+            <a:r>
+              <a:rPr lang="en-US" b="1" i="0" dirty="0">
+                <a:solidFill>
+                  <a:srgbClr val="333333"/>
+                </a:solidFill>
+                <a:effectLst/>
+                <a:latin typeface="revert"/>
+              </a:rPr>
+              <a:t>? How do I set permissions on who can access code I push to </a:t>
+            </a:r>
+            <a:r>
+              <a:rPr lang="en-US" b="1" i="0" dirty="0" err="1">
+                <a:solidFill>
+                  <a:srgbClr val="333333"/>
+                </a:solidFill>
+                <a:effectLst/>
+                <a:latin typeface="revert"/>
+              </a:rPr>
+              <a:t>Github</a:t>
+            </a:r>
+            <a:r>
+              <a:rPr lang="en-US" b="1" i="0" dirty="0">
+                <a:solidFill>
+                  <a:srgbClr val="333333"/>
+                </a:solidFill>
+                <a:effectLst/>
+                <a:latin typeface="revert"/>
+              </a:rPr>
+              <a:t>?</a:t>
+            </a:r>
+          </a:p>
+          <a:p>
+            <a:pPr lvl="1"/>
+            <a:r>
+              <a:rPr lang="en-US" b="0" i="0" dirty="0">
+                <a:solidFill>
+                  <a:srgbClr val="333333"/>
+                </a:solidFill>
+                <a:effectLst/>
+                <a:latin typeface="revert"/>
+              </a:rPr>
+              <a:t>YES! That is the point! If you do not want to share, just set the repo to private. Once private, you can manage who gets the access. </a:t>
+            </a:r>
+          </a:p>
+          <a:p>
+            <a:r>
+              <a:rPr lang="en-US" b="1" dirty="0"/>
+              <a:t>I don't love the idea of 1 mistake with private information could result in major </a:t>
+            </a:r>
+            <a:r>
+              <a:rPr lang="en-US" b="1" dirty="0" err="1"/>
+              <a:t>major</a:t>
+            </a:r>
+            <a:r>
+              <a:rPr lang="en-US" b="1" dirty="0"/>
+              <a:t> problems due to how repositories work and being on various machines.</a:t>
+            </a:r>
+          </a:p>
+          <a:p>
+            <a:pPr lvl="1"/>
+            <a:r>
+              <a:rPr lang="en-GB" dirty="0"/>
+              <a:t>You also do not let your credit card circle around - you simply do not put private info in the </a:t>
+            </a:r>
+            <a:r>
+              <a:rPr lang="en-GB" i="1" dirty="0"/>
+              <a:t>shared</a:t>
+            </a:r>
+            <a:r>
+              <a:rPr lang="en-GB" dirty="0"/>
+              <a:t> folder.</a:t>
+            </a:r>
+          </a:p>
+          <a:p>
+            <a:r>
+              <a:rPr lang="en-US" b="1" dirty="0"/>
+              <a:t>I am able to access the assignment repository, but is just anyone able to? Is posting to GitHub the making public part and anything that should be private is on the local?</a:t>
+            </a:r>
+          </a:p>
+          <a:p>
+            <a:pPr lvl="1"/>
+            <a:r>
+              <a:rPr lang="en-US" dirty="0"/>
+              <a:t>Yes, since it is public. The private then is not seen by anyone. Forking something public makes it public too (can be reset in settings).</a:t>
             </a:r>
             <a:endParaRPr lang="en-GB" dirty="0"/>
           </a:p>
@@ -12289,7 +12611,12 @@
             <p:ph idx="1"/>
           </p:nvPr>
         </p:nvSpPr>
-        <p:spPr/>
+        <p:spPr>
+          <a:xfrm>
+            <a:off x="838200" y="1825625"/>
+            <a:ext cx="10515600" cy="4534078"/>
+          </a:xfrm>
+        </p:spPr>
         <p:txBody>
           <a:bodyPr>
             <a:normAutofit fontScale="70000" lnSpcReduction="20000"/>
@@ -12427,6 +12754,29 @@
             </a:r>
           </a:p>
           <a:p>
+            <a:r>
+              <a:rPr lang="en-US" b="1" i="0" dirty="0">
+                <a:solidFill>
+                  <a:srgbClr val="333333"/>
+                </a:solidFill>
+                <a:effectLst/>
+                <a:latin typeface="revert"/>
+              </a:rPr>
+              <a:t>Is there a size limit to the repository?</a:t>
+            </a:r>
+          </a:p>
+          <a:p>
+            <a:pPr lvl="1"/>
+            <a:r>
+              <a:rPr lang="en-US" b="0" i="0" dirty="0">
+                <a:solidFill>
+                  <a:srgbClr val="333333"/>
+                </a:solidFill>
+                <a:effectLst/>
+                <a:latin typeface="revert"/>
+              </a:rPr>
+              <a:t>individual files should not be larger than 50 MB and the whole repository is recommended to be less than 5GB, which is fine even for large projects, as long as you don't commit binaries</a:t>
+            </a:r>
             <a:endParaRPr lang="en-GB" dirty="0"/>
           </a:p>
           <a:p>
@@ -12469,6 +12819,262 @@
           <p:cNvPr id="2" name="Title 1">
             <a:extLst>
               <a:ext uri="{FF2B5EF4-FFF2-40B4-BE49-F238E27FC236}">
+                <a16:creationId xmlns:a16="http://schemas.microsoft.com/office/drawing/2014/main" id="{4D439451-138D-4FAE-D5DA-3A0BB0D4B882}"/>
+              </a:ext>
+            </a:extLst>
+          </p:cNvPr>
+          <p:cNvSpPr>
+            <a:spLocks noGrp="1"/>
+          </p:cNvSpPr>
+          <p:nvPr>
+            <p:ph type="title"/>
+          </p:nvPr>
+        </p:nvSpPr>
+        <p:spPr/>
+        <p:txBody>
+          <a:bodyPr/>
+          <a:lstStyle/>
+          <a:p>
+            <a:r>
+              <a:rPr lang="en-US" dirty="0"/>
+              <a:t>Other</a:t>
+            </a:r>
+          </a:p>
+        </p:txBody>
+      </p:sp>
+      <p:sp>
+        <p:nvSpPr>
+          <p:cNvPr id="3" name="Content Placeholder 2">
+            <a:extLst>
+              <a:ext uri="{FF2B5EF4-FFF2-40B4-BE49-F238E27FC236}">
+                <a16:creationId xmlns:a16="http://schemas.microsoft.com/office/drawing/2014/main" id="{BC285A3C-A90E-117C-E7C5-546066AB80C0}"/>
+              </a:ext>
+            </a:extLst>
+          </p:cNvPr>
+          <p:cNvSpPr>
+            <a:spLocks noGrp="1"/>
+          </p:cNvSpPr>
+          <p:nvPr>
+            <p:ph idx="1"/>
+          </p:nvPr>
+        </p:nvSpPr>
+        <p:spPr/>
+        <p:txBody>
+          <a:bodyPr>
+            <a:normAutofit fontScale="62500" lnSpcReduction="20000"/>
+          </a:bodyPr>
+          <a:lstStyle/>
+          <a:p>
+            <a:r>
+              <a:rPr lang="en-US" b="1" i="0" dirty="0">
+                <a:solidFill>
+                  <a:srgbClr val="333333"/>
+                </a:solidFill>
+                <a:effectLst/>
+                <a:latin typeface="revert"/>
+              </a:rPr>
+              <a:t>What will happen if I use ```--force``` option in ```git push```?</a:t>
+            </a:r>
+          </a:p>
+          <a:p>
+            <a:pPr lvl="1"/>
+            <a:r>
+              <a:rPr lang="en-US" dirty="0"/>
+              <a:t>Usually nothing. The force option is to override the otherwise forbidden pushes – like pushing when not the last commit, pushing rebased branch etc.</a:t>
+            </a:r>
+          </a:p>
+          <a:p>
+            <a:r>
+              <a:rPr lang="en-US" b="1" i="0" dirty="0">
+                <a:solidFill>
+                  <a:srgbClr val="333333"/>
+                </a:solidFill>
+                <a:effectLst/>
+                <a:latin typeface="revert"/>
+              </a:rPr>
+              <a:t>I think that as files grow bigger and there are more changes, it would get really complex to navigate branches and file versions. I'm worried about how that will work with other collaborators as well.</a:t>
+            </a:r>
+          </a:p>
+          <a:p>
+            <a:pPr lvl="1"/>
+            <a:r>
+              <a:rPr lang="en-US" dirty="0">
+                <a:solidFill>
+                  <a:srgbClr val="333333"/>
+                </a:solidFill>
+                <a:latin typeface="revert"/>
+              </a:rPr>
+              <a:t>The history is usually linear. Once the branches merge, it gets linear again. No big deal, honestly. To orientate better, create releases and tags.</a:t>
+            </a:r>
+            <a:endParaRPr lang="en-US" i="0" dirty="0">
+              <a:solidFill>
+                <a:srgbClr val="333333"/>
+              </a:solidFill>
+              <a:effectLst/>
+              <a:latin typeface="revert"/>
+            </a:endParaRPr>
+          </a:p>
+          <a:p>
+            <a:r>
+              <a:rPr lang="en-US" b="1" i="0" dirty="0">
+                <a:solidFill>
+                  <a:srgbClr val="333333"/>
+                </a:solidFill>
+                <a:effectLst/>
+                <a:latin typeface="revert"/>
+              </a:rPr>
+              <a:t>Is it true that we can only have .</a:t>
+            </a:r>
+            <a:r>
+              <a:rPr lang="en-US" b="1" i="0" dirty="0" err="1">
+                <a:solidFill>
+                  <a:srgbClr val="333333"/>
+                </a:solidFill>
+                <a:effectLst/>
+                <a:latin typeface="revert"/>
+              </a:rPr>
+              <a:t>gitattribute</a:t>
+            </a:r>
+            <a:r>
+              <a:rPr lang="en-US" b="1" i="0" dirty="0">
+                <a:solidFill>
+                  <a:srgbClr val="333333"/>
+                </a:solidFill>
+                <a:effectLst/>
+                <a:latin typeface="revert"/>
+              </a:rPr>
+              <a:t> under the root of the repository?</a:t>
+            </a:r>
+          </a:p>
+          <a:p>
+            <a:pPr lvl="1"/>
+            <a:r>
+              <a:rPr lang="en-US" dirty="0">
+                <a:solidFill>
+                  <a:srgbClr val="333333"/>
+                </a:solidFill>
+                <a:latin typeface="revert"/>
+              </a:rPr>
+              <a:t>You can have as many as you want. But only the one is used to define the settings. </a:t>
+            </a:r>
+          </a:p>
+          <a:p>
+            <a:pPr lvl="1"/>
+            <a:r>
+              <a:rPr lang="en-US" dirty="0">
+                <a:solidFill>
+                  <a:srgbClr val="333333"/>
+                </a:solidFill>
+                <a:latin typeface="revert"/>
+              </a:rPr>
+              <a:t>Settings can include various stuff like line endings (CRLF / LF), what to consider as binaries and other next-level repository level settings.</a:t>
+            </a:r>
+          </a:p>
+          <a:p>
+            <a:r>
+              <a:rPr lang="en-US" b="1" i="0" dirty="0">
+                <a:solidFill>
+                  <a:srgbClr val="333333"/>
+                </a:solidFill>
+                <a:effectLst/>
+                <a:latin typeface="revert"/>
+              </a:rPr>
+              <a:t>How does using "git fetch upstream" help in keeping a forked repository up-to-date with the original repository, and what steps should follow to integrate the fetched changes into your local branch?</a:t>
+            </a:r>
+          </a:p>
+          <a:p>
+            <a:pPr lvl="1"/>
+            <a:r>
+              <a:rPr lang="en-US" i="0" dirty="0">
+                <a:solidFill>
+                  <a:srgbClr val="333333"/>
+                </a:solidFill>
+                <a:effectLst/>
+                <a:latin typeface="revert"/>
+              </a:rPr>
+              <a:t>This will synchronize your fork with the parent, upstream repository. Imagine I have added new content AFTER you forked – it would not get updated automatically, you have to fetch upstream.</a:t>
+            </a:r>
+          </a:p>
+          <a:p>
+            <a:r>
+              <a:rPr lang="en-US" b="1" i="0" dirty="0">
+                <a:solidFill>
+                  <a:srgbClr val="333333"/>
+                </a:solidFill>
+                <a:effectLst/>
+                <a:latin typeface="revert"/>
+              </a:rPr>
+              <a:t>Will there only be one administrator for each repository? </a:t>
+            </a:r>
+          </a:p>
+          <a:p>
+            <a:pPr lvl="1"/>
+            <a:r>
+              <a:rPr lang="en-US" dirty="0">
+                <a:solidFill>
+                  <a:srgbClr val="333333"/>
+                </a:solidFill>
+                <a:latin typeface="revert"/>
+              </a:rPr>
+              <a:t>There can be more, for sure!</a:t>
+            </a:r>
+            <a:endParaRPr lang="en-US" i="0" dirty="0">
+              <a:solidFill>
+                <a:srgbClr val="333333"/>
+              </a:solidFill>
+              <a:effectLst/>
+              <a:latin typeface="revert"/>
+            </a:endParaRPr>
+          </a:p>
+          <a:p>
+            <a:endParaRPr lang="en-US" i="0" dirty="0">
+              <a:solidFill>
+                <a:srgbClr val="333333"/>
+              </a:solidFill>
+              <a:effectLst/>
+              <a:latin typeface="revert"/>
+            </a:endParaRPr>
+          </a:p>
+          <a:p>
+            <a:endParaRPr lang="en-US" dirty="0"/>
+          </a:p>
+        </p:txBody>
+      </p:sp>
+    </p:spTree>
+    <p:extLst>
+      <p:ext uri="{BB962C8B-B14F-4D97-AF65-F5344CB8AC3E}">
+        <p14:creationId xmlns:p14="http://schemas.microsoft.com/office/powerpoint/2010/main" val="1667732861"/>
+      </p:ext>
+    </p:extLst>
+  </p:cSld>
+  <p:clrMapOvr>
+    <a:masterClrMapping/>
+  </p:clrMapOvr>
+</p:sld>
+</file>
+
+<file path=ppt/slides/slide55.xml><?xml version="1.0" encoding="utf-8"?>
+<p:sld xmlns:a="http://schemas.openxmlformats.org/drawingml/2006/main" xmlns:r="http://schemas.openxmlformats.org/officeDocument/2006/relationships" xmlns:p="http://schemas.openxmlformats.org/presentationml/2006/main">
+  <p:cSld>
+    <p:spTree>
+      <p:nvGrpSpPr>
+        <p:cNvPr id="1" name=""/>
+        <p:cNvGrpSpPr/>
+        <p:nvPr/>
+      </p:nvGrpSpPr>
+      <p:grpSpPr>
+        <a:xfrm>
+          <a:off x="0" y="0"/>
+          <a:ext cx="0" cy="0"/>
+          <a:chOff x="0" y="0"/>
+          <a:chExt cx="0" cy="0"/>
+        </a:xfrm>
+      </p:grpSpPr>
+      <p:sp>
+        <p:nvSpPr>
+          <p:cNvPr id="2" name="Title 1">
+            <a:extLst>
+              <a:ext uri="{FF2B5EF4-FFF2-40B4-BE49-F238E27FC236}">
                 <a16:creationId xmlns:a16="http://schemas.microsoft.com/office/drawing/2014/main" id="{CBABFD66-D6DF-DED1-C938-9C51C118D5C5}"/>
               </a:ext>
             </a:extLst>
@@ -12511,7 +13117,7 @@
         <p:spPr/>
         <p:txBody>
           <a:bodyPr>
-            <a:normAutofit/>
+            <a:normAutofit fontScale="92500" lnSpcReduction="10000"/>
           </a:bodyPr>
           <a:lstStyle/>
           <a:p>
@@ -12524,6 +13130,12 @@
             <a:r>
               <a:rPr lang="en-US" sz="4400" dirty="0"/>
               <a:t>Push sometimes</a:t>
+            </a:r>
+          </a:p>
+          <a:p>
+            <a:r>
+              <a:rPr lang="en-US" sz="3000" i="1" dirty="0"/>
+              <a:t>Ask for more</a:t>
             </a:r>
           </a:p>
           <a:p>
@@ -12611,7 +13223,7 @@
 </p:sld>
 </file>
 
-<file path=ppt/slides/slide55.xml><?xml version="1.0" encoding="utf-8"?>
+<file path=ppt/slides/slide56.xml><?xml version="1.0" encoding="utf-8"?>
 <p:sld xmlns:a="http://schemas.openxmlformats.org/drawingml/2006/main" xmlns:r="http://schemas.openxmlformats.org/officeDocument/2006/relationships" xmlns:p="http://schemas.openxmlformats.org/presentationml/2006/main">
   <p:cSld>
     <p:spTree>
